--- a/HyperRail/Admin/Weekly Update WK8 W21.pptx
+++ b/HyperRail/Admin/Weekly Update WK8 W21.pptx
@@ -6678,7 +6678,7 @@
             </a:pPr>
             <a:r>
               <a:rPr lang="en" dirty="0"/>
-              <a:t>Week 6</a:t>
+              <a:t>Week 8</a:t>
             </a:r>
             <a:endParaRPr dirty="0"/>
           </a:p>
@@ -7425,6 +7425,66 @@
           </a:p>
         </p:txBody>
       </p:sp>
+      <p:pic>
+        <p:nvPicPr>
+          <p:cNvPr id="5" name="Picture 4" descr="A picture containing chart&#10;&#10;Description automatically generated">
+            <a:extLst>
+              <a:ext uri="{FF2B5EF4-FFF2-40B4-BE49-F238E27FC236}">
+                <a16:creationId xmlns:a16="http://schemas.microsoft.com/office/drawing/2014/main" id="{533A113C-B924-486F-8831-E245133ABFF3}"/>
+              </a:ext>
+            </a:extLst>
+          </p:cNvPr>
+          <p:cNvPicPr>
+            <a:picLocks noChangeAspect="1"/>
+          </p:cNvPicPr>
+          <p:nvPr/>
+        </p:nvPicPr>
+        <p:blipFill>
+          <a:blip r:embed="rId2"/>
+          <a:stretch>
+            <a:fillRect/>
+          </a:stretch>
+        </p:blipFill>
+        <p:spPr>
+          <a:xfrm>
+            <a:off x="4572000" y="3276456"/>
+            <a:ext cx="2076106" cy="1557080"/>
+          </a:xfrm>
+          <a:prstGeom prst="rect">
+            <a:avLst/>
+          </a:prstGeom>
+        </p:spPr>
+      </p:pic>
+      <p:pic>
+        <p:nvPicPr>
+          <p:cNvPr id="7" name="Picture 6" descr="Chart&#10;&#10;Description automatically generated">
+            <a:extLst>
+              <a:ext uri="{FF2B5EF4-FFF2-40B4-BE49-F238E27FC236}">
+                <a16:creationId xmlns:a16="http://schemas.microsoft.com/office/drawing/2014/main" id="{E697F3B1-EC08-4CD9-B4CB-1DE263FEE216}"/>
+              </a:ext>
+            </a:extLst>
+          </p:cNvPr>
+          <p:cNvPicPr>
+            <a:picLocks noChangeAspect="1"/>
+          </p:cNvPicPr>
+          <p:nvPr/>
+        </p:nvPicPr>
+        <p:blipFill>
+          <a:blip r:embed="rId3"/>
+          <a:stretch>
+            <a:fillRect/>
+          </a:stretch>
+        </p:blipFill>
+        <p:spPr>
+          <a:xfrm>
+            <a:off x="6595937" y="3196796"/>
+            <a:ext cx="2288532" cy="1716399"/>
+          </a:xfrm>
+          <a:prstGeom prst="rect">
+            <a:avLst/>
+          </a:prstGeom>
+        </p:spPr>
+      </p:pic>
     </p:spTree>
     <p:extLst>
       <p:ext uri="{BB962C8B-B14F-4D97-AF65-F5344CB8AC3E}">
